--- a/doc/tex/sdf/m_qam_system/figures_raw/MQAM_constellation.pptx
+++ b/doc/tex/sdf/m_qam_system/figures_raw/MQAM_constellation.pptx
@@ -247,7 +247,7 @@
           <a:p>
             <a:fld id="{89535A96-58B6-429E-AC84-686953588468}" type="datetimeFigureOut">
               <a:rPr lang="pt-PT" smtClean="0"/>
-              <a:t>10-12-2017</a:t>
+              <a:t>26-12-2017</a:t>
             </a:fld>
             <a:endParaRPr lang="pt-PT"/>
           </a:p>
@@ -417,7 +417,7 @@
           <a:p>
             <a:fld id="{89535A96-58B6-429E-AC84-686953588468}" type="datetimeFigureOut">
               <a:rPr lang="pt-PT" smtClean="0"/>
-              <a:t>10-12-2017</a:t>
+              <a:t>26-12-2017</a:t>
             </a:fld>
             <a:endParaRPr lang="pt-PT"/>
           </a:p>
@@ -597,7 +597,7 @@
           <a:p>
             <a:fld id="{89535A96-58B6-429E-AC84-686953588468}" type="datetimeFigureOut">
               <a:rPr lang="pt-PT" smtClean="0"/>
-              <a:t>10-12-2017</a:t>
+              <a:t>26-12-2017</a:t>
             </a:fld>
             <a:endParaRPr lang="pt-PT"/>
           </a:p>
@@ -767,7 +767,7 @@
           <a:p>
             <a:fld id="{89535A96-58B6-429E-AC84-686953588468}" type="datetimeFigureOut">
               <a:rPr lang="pt-PT" smtClean="0"/>
-              <a:t>10-12-2017</a:t>
+              <a:t>26-12-2017</a:t>
             </a:fld>
             <a:endParaRPr lang="pt-PT"/>
           </a:p>
@@ -1013,7 +1013,7 @@
           <a:p>
             <a:fld id="{89535A96-58B6-429E-AC84-686953588468}" type="datetimeFigureOut">
               <a:rPr lang="pt-PT" smtClean="0"/>
-              <a:t>10-12-2017</a:t>
+              <a:t>26-12-2017</a:t>
             </a:fld>
             <a:endParaRPr lang="pt-PT"/>
           </a:p>
@@ -1245,7 +1245,7 @@
           <a:p>
             <a:fld id="{89535A96-58B6-429E-AC84-686953588468}" type="datetimeFigureOut">
               <a:rPr lang="pt-PT" smtClean="0"/>
-              <a:t>10-12-2017</a:t>
+              <a:t>26-12-2017</a:t>
             </a:fld>
             <a:endParaRPr lang="pt-PT"/>
           </a:p>
@@ -1612,7 +1612,7 @@
           <a:p>
             <a:fld id="{89535A96-58B6-429E-AC84-686953588468}" type="datetimeFigureOut">
               <a:rPr lang="pt-PT" smtClean="0"/>
-              <a:t>10-12-2017</a:t>
+              <a:t>26-12-2017</a:t>
             </a:fld>
             <a:endParaRPr lang="pt-PT"/>
           </a:p>
@@ -1730,7 +1730,7 @@
           <a:p>
             <a:fld id="{89535A96-58B6-429E-AC84-686953588468}" type="datetimeFigureOut">
               <a:rPr lang="pt-PT" smtClean="0"/>
-              <a:t>10-12-2017</a:t>
+              <a:t>26-12-2017</a:t>
             </a:fld>
             <a:endParaRPr lang="pt-PT"/>
           </a:p>
@@ -1825,7 +1825,7 @@
           <a:p>
             <a:fld id="{89535A96-58B6-429E-AC84-686953588468}" type="datetimeFigureOut">
               <a:rPr lang="pt-PT" smtClean="0"/>
-              <a:t>10-12-2017</a:t>
+              <a:t>26-12-2017</a:t>
             </a:fld>
             <a:endParaRPr lang="pt-PT"/>
           </a:p>
@@ -2102,7 +2102,7 @@
           <a:p>
             <a:fld id="{89535A96-58B6-429E-AC84-686953588468}" type="datetimeFigureOut">
               <a:rPr lang="pt-PT" smtClean="0"/>
-              <a:t>10-12-2017</a:t>
+              <a:t>26-12-2017</a:t>
             </a:fld>
             <a:endParaRPr lang="pt-PT"/>
           </a:p>
@@ -2355,7 +2355,7 @@
           <a:p>
             <a:fld id="{89535A96-58B6-429E-AC84-686953588468}" type="datetimeFigureOut">
               <a:rPr lang="pt-PT" smtClean="0"/>
-              <a:t>10-12-2017</a:t>
+              <a:t>26-12-2017</a:t>
             </a:fld>
             <a:endParaRPr lang="pt-PT"/>
           </a:p>
@@ -2568,7 +2568,7 @@
           <a:p>
             <a:fld id="{89535A96-58B6-429E-AC84-686953588468}" type="datetimeFigureOut">
               <a:rPr lang="pt-PT" smtClean="0"/>
-              <a:t>10-12-2017</a:t>
+              <a:t>26-12-2017</a:t>
             </a:fld>
             <a:endParaRPr lang="pt-PT"/>
           </a:p>
@@ -2975,10 +2975,10 @@
       </p:grpSpPr>
       <p:grpSp>
         <p:nvGrpSpPr>
-          <p:cNvPr id="5" name="Grupo 4">
+          <p:cNvPr id="2" name="Grupo 1">
             <a:extLst>
               <a:ext uri="{FF2B5EF4-FFF2-40B4-BE49-F238E27FC236}">
-                <a16:creationId xmlns:a16="http://schemas.microsoft.com/office/drawing/2014/main" id="{354189AB-83F2-4F5E-9561-00E19D06936F}"/>
+                <a16:creationId xmlns:a16="http://schemas.microsoft.com/office/drawing/2014/main" id="{E7A573E1-1241-4BE3-B703-571FDAE7171F}"/>
               </a:ext>
             </a:extLst>
           </p:cNvPr>
@@ -3262,8 +3262,8 @@
           </p:nvSpPr>
           <p:spPr>
             <a:xfrm>
-              <a:off x="6498125" y="1584750"/>
-              <a:ext cx="723891" cy="830997"/>
+              <a:off x="6524629" y="1717272"/>
+              <a:ext cx="723891" cy="584775"/>
             </a:xfrm>
             <a:prstGeom prst="rect">
               <a:avLst/>
@@ -3281,7 +3281,7 @@
                 <a:buChar char="•"/>
               </a:pPr>
               <a:r>
-                <a:rPr lang="pt-PT" sz="4800" dirty="0"/>
+                <a:rPr lang="pt-PT" sz="3200" dirty="0"/>
                 <a:t> </a:t>
               </a:r>
             </a:p>
@@ -3301,8 +3301,8 @@
           </p:nvSpPr>
           <p:spPr>
             <a:xfrm>
-              <a:off x="6498125" y="4463210"/>
-              <a:ext cx="723891" cy="830997"/>
+              <a:off x="6524629" y="4584335"/>
+              <a:ext cx="723891" cy="584775"/>
             </a:xfrm>
             <a:prstGeom prst="rect">
               <a:avLst/>
@@ -3320,7 +3320,7 @@
                 <a:buChar char="•"/>
               </a:pPr>
               <a:r>
-                <a:rPr lang="pt-PT" sz="4800" dirty="0"/>
+                <a:rPr lang="pt-PT" sz="3200" dirty="0"/>
                 <a:t> </a:t>
               </a:r>
             </a:p>
@@ -3340,8 +3340,8 @@
           </p:nvSpPr>
           <p:spPr>
             <a:xfrm>
-              <a:off x="3600450" y="1584749"/>
-              <a:ext cx="723891" cy="830997"/>
+              <a:off x="3653459" y="1717270"/>
+              <a:ext cx="723891" cy="584775"/>
             </a:xfrm>
             <a:prstGeom prst="rect">
               <a:avLst/>
@@ -3359,7 +3359,7 @@
                 <a:buChar char="•"/>
               </a:pPr>
               <a:r>
-                <a:rPr lang="pt-PT" sz="4800" dirty="0"/>
+                <a:rPr lang="pt-PT" sz="3200" dirty="0"/>
                 <a:t> </a:t>
               </a:r>
             </a:p>
@@ -3379,8 +3379,8 @@
           </p:nvSpPr>
           <p:spPr>
             <a:xfrm>
-              <a:off x="3613702" y="4476463"/>
-              <a:ext cx="723891" cy="830997"/>
+              <a:off x="3653458" y="4595732"/>
+              <a:ext cx="723891" cy="584775"/>
             </a:xfrm>
             <a:prstGeom prst="rect">
               <a:avLst/>
@@ -3398,7 +3398,7 @@
                 <a:buChar char="•"/>
               </a:pPr>
               <a:r>
-                <a:rPr lang="pt-PT" sz="4800" dirty="0"/>
+                <a:rPr lang="pt-PT" sz="3200" dirty="0"/>
                 <a:t> </a:t>
               </a:r>
             </a:p>

--- a/doc/tex/sdf/m_qam_system/figures_raw/MQAM_constellation.pptx
+++ b/doc/tex/sdf/m_qam_system/figures_raw/MQAM_constellation.pptx
@@ -247,7 +247,7 @@
           <a:p>
             <a:fld id="{89535A96-58B6-429E-AC84-686953588468}" type="datetimeFigureOut">
               <a:rPr lang="pt-PT" smtClean="0"/>
-              <a:t>26-12-2017</a:t>
+              <a:t>04-01-2018</a:t>
             </a:fld>
             <a:endParaRPr lang="pt-PT"/>
           </a:p>
@@ -417,7 +417,7 @@
           <a:p>
             <a:fld id="{89535A96-58B6-429E-AC84-686953588468}" type="datetimeFigureOut">
               <a:rPr lang="pt-PT" smtClean="0"/>
-              <a:t>26-12-2017</a:t>
+              <a:t>04-01-2018</a:t>
             </a:fld>
             <a:endParaRPr lang="pt-PT"/>
           </a:p>
@@ -597,7 +597,7 @@
           <a:p>
             <a:fld id="{89535A96-58B6-429E-AC84-686953588468}" type="datetimeFigureOut">
               <a:rPr lang="pt-PT" smtClean="0"/>
-              <a:t>26-12-2017</a:t>
+              <a:t>04-01-2018</a:t>
             </a:fld>
             <a:endParaRPr lang="pt-PT"/>
           </a:p>
@@ -767,7 +767,7 @@
           <a:p>
             <a:fld id="{89535A96-58B6-429E-AC84-686953588468}" type="datetimeFigureOut">
               <a:rPr lang="pt-PT" smtClean="0"/>
-              <a:t>26-12-2017</a:t>
+              <a:t>04-01-2018</a:t>
             </a:fld>
             <a:endParaRPr lang="pt-PT"/>
           </a:p>
@@ -1013,7 +1013,7 @@
           <a:p>
             <a:fld id="{89535A96-58B6-429E-AC84-686953588468}" type="datetimeFigureOut">
               <a:rPr lang="pt-PT" smtClean="0"/>
-              <a:t>26-12-2017</a:t>
+              <a:t>04-01-2018</a:t>
             </a:fld>
             <a:endParaRPr lang="pt-PT"/>
           </a:p>
@@ -1245,7 +1245,7 @@
           <a:p>
             <a:fld id="{89535A96-58B6-429E-AC84-686953588468}" type="datetimeFigureOut">
               <a:rPr lang="pt-PT" smtClean="0"/>
-              <a:t>26-12-2017</a:t>
+              <a:t>04-01-2018</a:t>
             </a:fld>
             <a:endParaRPr lang="pt-PT"/>
           </a:p>
@@ -1612,7 +1612,7 @@
           <a:p>
             <a:fld id="{89535A96-58B6-429E-AC84-686953588468}" type="datetimeFigureOut">
               <a:rPr lang="pt-PT" smtClean="0"/>
-              <a:t>26-12-2017</a:t>
+              <a:t>04-01-2018</a:t>
             </a:fld>
             <a:endParaRPr lang="pt-PT"/>
           </a:p>
@@ -1730,7 +1730,7 @@
           <a:p>
             <a:fld id="{89535A96-58B6-429E-AC84-686953588468}" type="datetimeFigureOut">
               <a:rPr lang="pt-PT" smtClean="0"/>
-              <a:t>26-12-2017</a:t>
+              <a:t>04-01-2018</a:t>
             </a:fld>
             <a:endParaRPr lang="pt-PT"/>
           </a:p>
@@ -1825,7 +1825,7 @@
           <a:p>
             <a:fld id="{89535A96-58B6-429E-AC84-686953588468}" type="datetimeFigureOut">
               <a:rPr lang="pt-PT" smtClean="0"/>
-              <a:t>26-12-2017</a:t>
+              <a:t>04-01-2018</a:t>
             </a:fld>
             <a:endParaRPr lang="pt-PT"/>
           </a:p>
@@ -2102,7 +2102,7 @@
           <a:p>
             <a:fld id="{89535A96-58B6-429E-AC84-686953588468}" type="datetimeFigureOut">
               <a:rPr lang="pt-PT" smtClean="0"/>
-              <a:t>26-12-2017</a:t>
+              <a:t>04-01-2018</a:t>
             </a:fld>
             <a:endParaRPr lang="pt-PT"/>
           </a:p>
@@ -2355,7 +2355,7 @@
           <a:p>
             <a:fld id="{89535A96-58B6-429E-AC84-686953588468}" type="datetimeFigureOut">
               <a:rPr lang="pt-PT" smtClean="0"/>
-              <a:t>26-12-2017</a:t>
+              <a:t>04-01-2018</a:t>
             </a:fld>
             <a:endParaRPr lang="pt-PT"/>
           </a:p>
@@ -2568,7 +2568,7 @@
           <a:p>
             <a:fld id="{89535A96-58B6-429E-AC84-686953588468}" type="datetimeFigureOut">
               <a:rPr lang="pt-PT" smtClean="0"/>
-              <a:t>26-12-2017</a:t>
+              <a:t>04-01-2018</a:t>
             </a:fld>
             <a:endParaRPr lang="pt-PT"/>
           </a:p>
@@ -2987,7 +2987,7 @@
         </p:nvGrpSpPr>
         <p:grpSpPr>
           <a:xfrm>
-            <a:off x="3200398" y="1264206"/>
+            <a:off x="3904216" y="1284565"/>
             <a:ext cx="4383567" cy="4288870"/>
             <a:chOff x="3200398" y="1264206"/>
             <a:chExt cx="4383567" cy="4288870"/>
